--- a/Section 2 - Installation Code Any Where.pptx
+++ b/Section 2 - Installation Code Any Where.pptx
@@ -16,8 +16,6 @@
     <p:sldId id="263" r:id="rId10"/>
     <p:sldId id="264" r:id="rId11"/>
     <p:sldId id="265" r:id="rId12"/>
-    <p:sldId id="267" r:id="rId13"/>
-    <p:sldId id="268" r:id="rId14"/>
   </p:sldIdLst>
   <p:sldSz cx="12192000" cy="6858000"/>
   <p:notesSz cx="6858000" cy="9144000"/>
@@ -255,7 +253,7 @@
           <a:p>
             <a:fld id="{C1B4A547-92C3-7C4C-BEB9-53C9435B0722}" type="datetimeFigureOut">
               <a:rPr lang="en-US" smtClean="0"/>
-              <a:t>11/13/18</a:t>
+              <a:t>12/12/18</a:t>
             </a:fld>
             <a:endParaRPr lang="en-US"/>
           </a:p>
@@ -425,7 +423,7 @@
           <a:p>
             <a:fld id="{C1B4A547-92C3-7C4C-BEB9-53C9435B0722}" type="datetimeFigureOut">
               <a:rPr lang="en-US" smtClean="0"/>
-              <a:t>11/13/18</a:t>
+              <a:t>12/12/18</a:t>
             </a:fld>
             <a:endParaRPr lang="en-US"/>
           </a:p>
@@ -605,7 +603,7 @@
           <a:p>
             <a:fld id="{C1B4A547-92C3-7C4C-BEB9-53C9435B0722}" type="datetimeFigureOut">
               <a:rPr lang="en-US" smtClean="0"/>
-              <a:t>11/13/18</a:t>
+              <a:t>12/12/18</a:t>
             </a:fld>
             <a:endParaRPr lang="en-US"/>
           </a:p>
@@ -775,7 +773,7 @@
           <a:p>
             <a:fld id="{C1B4A547-92C3-7C4C-BEB9-53C9435B0722}" type="datetimeFigureOut">
               <a:rPr lang="en-US" smtClean="0"/>
-              <a:t>11/13/18</a:t>
+              <a:t>12/12/18</a:t>
             </a:fld>
             <a:endParaRPr lang="en-US"/>
           </a:p>
@@ -1021,7 +1019,7 @@
           <a:p>
             <a:fld id="{C1B4A547-92C3-7C4C-BEB9-53C9435B0722}" type="datetimeFigureOut">
               <a:rPr lang="en-US" smtClean="0"/>
-              <a:t>11/13/18</a:t>
+              <a:t>12/12/18</a:t>
             </a:fld>
             <a:endParaRPr lang="en-US"/>
           </a:p>
@@ -1253,7 +1251,7 @@
           <a:p>
             <a:fld id="{C1B4A547-92C3-7C4C-BEB9-53C9435B0722}" type="datetimeFigureOut">
               <a:rPr lang="en-US" smtClean="0"/>
-              <a:t>11/13/18</a:t>
+              <a:t>12/12/18</a:t>
             </a:fld>
             <a:endParaRPr lang="en-US"/>
           </a:p>
@@ -1620,7 +1618,7 @@
           <a:p>
             <a:fld id="{C1B4A547-92C3-7C4C-BEB9-53C9435B0722}" type="datetimeFigureOut">
               <a:rPr lang="en-US" smtClean="0"/>
-              <a:t>11/13/18</a:t>
+              <a:t>12/12/18</a:t>
             </a:fld>
             <a:endParaRPr lang="en-US"/>
           </a:p>
@@ -1738,7 +1736,7 @@
           <a:p>
             <a:fld id="{C1B4A547-92C3-7C4C-BEB9-53C9435B0722}" type="datetimeFigureOut">
               <a:rPr lang="en-US" smtClean="0"/>
-              <a:t>11/13/18</a:t>
+              <a:t>12/12/18</a:t>
             </a:fld>
             <a:endParaRPr lang="en-US"/>
           </a:p>
@@ -1833,7 +1831,7 @@
           <a:p>
             <a:fld id="{C1B4A547-92C3-7C4C-BEB9-53C9435B0722}" type="datetimeFigureOut">
               <a:rPr lang="en-US" smtClean="0"/>
-              <a:t>11/13/18</a:t>
+              <a:t>12/12/18</a:t>
             </a:fld>
             <a:endParaRPr lang="en-US"/>
           </a:p>
@@ -2110,7 +2108,7 @@
           <a:p>
             <a:fld id="{C1B4A547-92C3-7C4C-BEB9-53C9435B0722}" type="datetimeFigureOut">
               <a:rPr lang="en-US" smtClean="0"/>
-              <a:t>11/13/18</a:t>
+              <a:t>12/12/18</a:t>
             </a:fld>
             <a:endParaRPr lang="en-US"/>
           </a:p>
@@ -2363,7 +2361,7 @@
           <a:p>
             <a:fld id="{C1B4A547-92C3-7C4C-BEB9-53C9435B0722}" type="datetimeFigureOut">
               <a:rPr lang="en-US" smtClean="0"/>
-              <a:t>11/13/18</a:t>
+              <a:t>12/12/18</a:t>
             </a:fld>
             <a:endParaRPr lang="en-US"/>
           </a:p>
@@ -2576,7 +2574,7 @@
           <a:p>
             <a:fld id="{C1B4A547-92C3-7C4C-BEB9-53C9435B0722}" type="datetimeFigureOut">
               <a:rPr lang="en-US" smtClean="0"/>
-              <a:t>11/13/18</a:t>
+              <a:t>12/12/18</a:t>
             </a:fld>
             <a:endParaRPr lang="en-US"/>
           </a:p>
@@ -3029,15 +3027,26 @@
               <a:t>Ruby on Rails </a:t>
             </a:r>
             <a:r>
-              <a:rPr lang="mr-IN" sz="3600" b="1" dirty="0" smtClean="0">
-                <a:solidFill>
-                  <a:srgbClr val="211F6B"/>
-                </a:solidFill>
-                <a:latin typeface="RawengulkSans" charset="0"/>
-                <a:ea typeface="RawengulkSans" charset="0"/>
-                <a:cs typeface="RawengulkSans" charset="0"/>
-              </a:rPr>
-              <a:t>–</a:t>
+              <a:rPr lang="es-ES" sz="3600" b="1" dirty="0" smtClean="0">
+                <a:solidFill>
+                  <a:srgbClr val="211F6B"/>
+                </a:solidFill>
+                <a:latin typeface="RawengulkSans" charset="0"/>
+                <a:ea typeface="RawengulkSans" charset="0"/>
+                <a:cs typeface="RawengulkSans" charset="0"/>
+              </a:rPr>
+              <a:t>- </a:t>
+            </a:r>
+            <a:r>
+              <a:rPr lang="en-US" sz="3600" b="1" dirty="0" err="1" smtClean="0">
+                <a:solidFill>
+                  <a:srgbClr val="211F6B"/>
+                </a:solidFill>
+                <a:latin typeface="RawengulkSans" charset="0"/>
+                <a:ea typeface="RawengulkSans" charset="0"/>
+                <a:cs typeface="RawengulkSans" charset="0"/>
+              </a:rPr>
+              <a:t>Rspec</a:t>
             </a:r>
             <a:r>
               <a:rPr lang="en-US" sz="3600" b="1" dirty="0" smtClean="0">
@@ -3048,18 +3057,7 @@
                 <a:ea typeface="RawengulkSans" charset="0"/>
                 <a:cs typeface="RawengulkSans" charset="0"/>
               </a:rPr>
-              <a:t> BDD </a:t>
-            </a:r>
-            <a:r>
-              <a:rPr lang="en-US" sz="3600" b="1" dirty="0" err="1" smtClean="0">
-                <a:solidFill>
-                  <a:srgbClr val="211F6B"/>
-                </a:solidFill>
-                <a:latin typeface="RawengulkSans" charset="0"/>
-                <a:ea typeface="RawengulkSans" charset="0"/>
-                <a:cs typeface="RawengulkSans" charset="0"/>
-              </a:rPr>
-              <a:t>Rspec</a:t>
+              <a:t> </a:t>
             </a:r>
             <a:r>
               <a:rPr lang="en-US" sz="3600" b="1" dirty="0" smtClean="0">
@@ -3070,7 +3068,7 @@
                 <a:ea typeface="RawengulkSans" charset="0"/>
                 <a:cs typeface="RawengulkSans" charset="0"/>
               </a:rPr>
-              <a:t> Capybara</a:t>
+              <a:t>Capybara</a:t>
             </a:r>
             <a:endParaRPr lang="en-US" sz="3600" b="1" dirty="0">
               <a:solidFill>
@@ -3109,15 +3107,7 @@
                 <a:ea typeface="RawengulkSans" charset="0"/>
                 <a:cs typeface="RawengulkSans" charset="0"/>
               </a:rPr>
-              <a:t>Section 2: </a:t>
-            </a:r>
-            <a:r>
-              <a:rPr lang="en-US" b="1" dirty="0" smtClean="0">
-                <a:latin typeface="RawengulkSans" charset="0"/>
-                <a:ea typeface="RawengulkSans" charset="0"/>
-                <a:cs typeface="RawengulkSans" charset="0"/>
-              </a:rPr>
-              <a:t>Code Any Where</a:t>
+              <a:t>Section 2: Code Any Where</a:t>
             </a:r>
             <a:endParaRPr lang="en-US" b="1" dirty="0">
               <a:latin typeface="RawengulkSans" charset="0"/>
@@ -3359,18 +3349,7 @@
                 <a:ea typeface="RawengulkSans" charset="0"/>
                 <a:cs typeface="RawengulkSans" charset="0"/>
               </a:rPr>
-              <a:t> file and replace the content with</a:t>
-            </a:r>
-            <a:r>
-              <a:rPr lang="en-US" b="1" dirty="0" smtClean="0">
-                <a:solidFill>
-                  <a:srgbClr val="211F6B"/>
-                </a:solidFill>
-                <a:latin typeface="RawengulkSans" charset="0"/>
-                <a:ea typeface="RawengulkSans" charset="0"/>
-                <a:cs typeface="RawengulkSans" charset="0"/>
-              </a:rPr>
-              <a:t>:</a:t>
+              <a:t> file and replace the content with:</a:t>
             </a:r>
           </a:p>
           <a:p>
@@ -4514,18 +4493,7 @@
                 <a:ea typeface="RawengulkSans" charset="0"/>
                 <a:cs typeface="RawengulkSans" charset="0"/>
               </a:rPr>
-              <a:t>As </a:t>
-            </a:r>
-            <a:r>
-              <a:rPr lang="en-US" b="1" dirty="0" smtClean="0">
-                <a:solidFill>
-                  <a:srgbClr val="211F6B"/>
-                </a:solidFill>
-                <a:latin typeface="RawengulkSans" charset="0"/>
-                <a:ea typeface="RawengulkSans" charset="0"/>
-                <a:cs typeface="RawengulkSans" charset="0"/>
-              </a:rPr>
-              <a:t>a recommendation, create a copy of the configuration files</a:t>
+              <a:t>As a recommendation, create a copy of the configuration files</a:t>
             </a:r>
           </a:p>
           <a:p>
@@ -4648,18 +4616,7 @@
                 <a:ea typeface="RawengulkSans" charset="0"/>
                 <a:cs typeface="RawengulkSans" charset="0"/>
               </a:rPr>
-              <a:t>And </a:t>
-            </a:r>
-            <a:r>
-              <a:rPr lang="en-US" b="1" dirty="0" smtClean="0">
-                <a:solidFill>
-                  <a:srgbClr val="211F6B"/>
-                </a:solidFill>
-                <a:latin typeface="RawengulkSans" charset="0"/>
-                <a:ea typeface="RawengulkSans" charset="0"/>
-                <a:cs typeface="RawengulkSans" charset="0"/>
-              </a:rPr>
-              <a:t>add the original files to the .</a:t>
+              <a:t>And add the original files to the .</a:t>
             </a:r>
             <a:r>
               <a:rPr lang="en-US" b="1" dirty="0" err="1" smtClean="0">
@@ -4809,869 +4766,6 @@
     <p:extLst>
       <p:ext uri="{BB962C8B-B14F-4D97-AF65-F5344CB8AC3E}">
         <p14:creationId xmlns:p14="http://schemas.microsoft.com/office/powerpoint/2010/main" val="179077929"/>
-      </p:ext>
-    </p:extLst>
-  </p:cSld>
-  <p:clrMapOvr>
-    <a:masterClrMapping/>
-  </p:clrMapOvr>
-</p:sld>
-</file>
-
-<file path=ppt/slides/slide12.xml><?xml version="1.0" encoding="utf-8"?>
-<p:sld xmlns:a="http://schemas.openxmlformats.org/drawingml/2006/main" xmlns:r="http://schemas.openxmlformats.org/officeDocument/2006/relationships" xmlns:p="http://schemas.openxmlformats.org/presentationml/2006/main">
-  <p:cSld>
-    <p:spTree>
-      <p:nvGrpSpPr>
-        <p:cNvPr id="1" name=""/>
-        <p:cNvGrpSpPr/>
-        <p:nvPr/>
-      </p:nvGrpSpPr>
-      <p:grpSpPr>
-        <a:xfrm>
-          <a:off x="0" y="0"/>
-          <a:ext cx="0" cy="0"/>
-          <a:chOff x="0" y="0"/>
-          <a:chExt cx="0" cy="0"/>
-        </a:xfrm>
-      </p:grpSpPr>
-      <p:sp>
-        <p:nvSpPr>
-          <p:cNvPr id="2" name="Title 1"/>
-          <p:cNvSpPr>
-            <a:spLocks noGrp="1"/>
-          </p:cNvSpPr>
-          <p:nvPr>
-            <p:ph type="title"/>
-          </p:nvPr>
-        </p:nvSpPr>
-        <p:spPr>
-          <a:xfrm>
-            <a:off x="1702676" y="175933"/>
-            <a:ext cx="9651124" cy="1325563"/>
-          </a:xfrm>
-        </p:spPr>
-        <p:txBody>
-          <a:bodyPr/>
-          <a:lstStyle/>
-          <a:p>
-            <a:pPr algn="ctr"/>
-            <a:r>
-              <a:rPr lang="en-US" b="1" dirty="0" err="1" smtClean="0">
-                <a:solidFill>
-                  <a:srgbClr val="211F6B"/>
-                </a:solidFill>
-                <a:latin typeface="RawengulkSans" charset="0"/>
-                <a:ea typeface="RawengulkSans" charset="0"/>
-                <a:cs typeface="RawengulkSans" charset="0"/>
-              </a:rPr>
-              <a:t>Heroku</a:t>
-            </a:r>
-            <a:endParaRPr lang="en-US" dirty="0"/>
-          </a:p>
-        </p:txBody>
-      </p:sp>
-      <p:sp>
-        <p:nvSpPr>
-          <p:cNvPr id="3" name="Content Placeholder 2"/>
-          <p:cNvSpPr>
-            <a:spLocks noGrp="1"/>
-          </p:cNvSpPr>
-          <p:nvPr>
-            <p:ph idx="1"/>
-          </p:nvPr>
-        </p:nvSpPr>
-        <p:spPr/>
-        <p:txBody>
-          <a:bodyPr>
-            <a:normAutofit lnSpcReduction="10000"/>
-          </a:bodyPr>
-          <a:lstStyle/>
-          <a:p>
-            <a:r>
-              <a:rPr lang="en-US" b="1" dirty="0">
-                <a:solidFill>
-                  <a:srgbClr val="211F6B"/>
-                </a:solidFill>
-                <a:latin typeface="RawengulkSans" charset="0"/>
-                <a:ea typeface="RawengulkSans" charset="0"/>
-                <a:cs typeface="RawengulkSans" charset="0"/>
-                <a:hlinkClick r:id="rId2"/>
-              </a:rPr>
-              <a:t>https</a:t>
-            </a:r>
-            <a:r>
-              <a:rPr lang="en-US" b="1" dirty="0" smtClean="0">
-                <a:solidFill>
-                  <a:srgbClr val="211F6B"/>
-                </a:solidFill>
-                <a:latin typeface="RawengulkSans" charset="0"/>
-                <a:ea typeface="RawengulkSans" charset="0"/>
-                <a:cs typeface="RawengulkSans" charset="0"/>
-                <a:hlinkClick r:id="rId2"/>
-              </a:rPr>
-              <a:t>://heroku.com</a:t>
-            </a:r>
-            <a:r>
-              <a:rPr lang="en-US" b="1" dirty="0" smtClean="0">
-                <a:solidFill>
-                  <a:srgbClr val="211F6B"/>
-                </a:solidFill>
-                <a:latin typeface="RawengulkSans" charset="0"/>
-                <a:ea typeface="RawengulkSans" charset="0"/>
-                <a:cs typeface="RawengulkSans" charset="0"/>
-              </a:rPr>
-              <a:t> &amp; </a:t>
-            </a:r>
-            <a:r>
-              <a:rPr lang="en-US" b="1" dirty="0">
-                <a:solidFill>
-                  <a:srgbClr val="211F6B"/>
-                </a:solidFill>
-                <a:latin typeface="RawengulkSans" charset="0"/>
-                <a:ea typeface="RawengulkSans" charset="0"/>
-                <a:cs typeface="RawengulkSans" charset="0"/>
-                <a:hlinkClick r:id="rId3"/>
-              </a:rPr>
-              <a:t>https://devcenter.heroku.com</a:t>
-            </a:r>
-            <a:r>
-              <a:rPr lang="en-US" b="1" dirty="0" smtClean="0">
-                <a:solidFill>
-                  <a:srgbClr val="211F6B"/>
-                </a:solidFill>
-                <a:latin typeface="RawengulkSans" charset="0"/>
-                <a:ea typeface="RawengulkSans" charset="0"/>
-                <a:cs typeface="RawengulkSans" charset="0"/>
-                <a:hlinkClick r:id="rId3"/>
-              </a:rPr>
-              <a:t>/</a:t>
-            </a:r>
-            <a:endParaRPr lang="en-US" b="1" dirty="0" smtClean="0">
-              <a:solidFill>
-                <a:srgbClr val="211F6B"/>
-              </a:solidFill>
-              <a:latin typeface="RawengulkSans" charset="0"/>
-              <a:ea typeface="RawengulkSans" charset="0"/>
-              <a:cs typeface="RawengulkSans" charset="0"/>
-            </a:endParaRPr>
-          </a:p>
-          <a:p>
-            <a:endParaRPr lang="en-US" b="1" dirty="0" smtClean="0">
-              <a:solidFill>
-                <a:srgbClr val="211F6B"/>
-              </a:solidFill>
-              <a:latin typeface="RawengulkSans" charset="0"/>
-              <a:ea typeface="RawengulkSans" charset="0"/>
-              <a:cs typeface="RawengulkSans" charset="0"/>
-            </a:endParaRPr>
-          </a:p>
-          <a:p>
-            <a:r>
-              <a:rPr lang="en-US" b="1" dirty="0" smtClean="0">
-                <a:solidFill>
-                  <a:srgbClr val="211F6B"/>
-                </a:solidFill>
-                <a:latin typeface="RawengulkSans" charset="0"/>
-                <a:ea typeface="RawengulkSans" charset="0"/>
-                <a:cs typeface="RawengulkSans" charset="0"/>
-              </a:rPr>
-              <a:t>What is </a:t>
-            </a:r>
-            <a:r>
-              <a:rPr lang="en-US" b="1" dirty="0" err="1" smtClean="0">
-                <a:solidFill>
-                  <a:srgbClr val="211F6B"/>
-                </a:solidFill>
-                <a:latin typeface="RawengulkSans" charset="0"/>
-                <a:ea typeface="RawengulkSans" charset="0"/>
-                <a:cs typeface="RawengulkSans" charset="0"/>
-              </a:rPr>
-              <a:t>heroku</a:t>
-            </a:r>
-            <a:r>
-              <a:rPr lang="en-US" b="1" dirty="0">
-                <a:solidFill>
-                  <a:srgbClr val="211F6B"/>
-                </a:solidFill>
-                <a:latin typeface="RawengulkSans" charset="0"/>
-                <a:ea typeface="RawengulkSans" charset="0"/>
-                <a:cs typeface="RawengulkSans" charset="0"/>
-              </a:rPr>
-              <a:t>? </a:t>
-            </a:r>
-            <a:r>
-              <a:rPr lang="en-US" b="1" dirty="0">
-                <a:solidFill>
-                  <a:srgbClr val="211F6B"/>
-                </a:solidFill>
-                <a:latin typeface="RawengulkSans" charset="0"/>
-                <a:ea typeface="RawengulkSans" charset="0"/>
-                <a:cs typeface="RawengulkSans" charset="0"/>
-                <a:hlinkClick r:id="rId4"/>
-              </a:rPr>
-              <a:t>https://</a:t>
-            </a:r>
-            <a:r>
-              <a:rPr lang="en-US" b="1" dirty="0" smtClean="0">
-                <a:solidFill>
-                  <a:srgbClr val="211F6B"/>
-                </a:solidFill>
-                <a:latin typeface="RawengulkSans" charset="0"/>
-                <a:ea typeface="RawengulkSans" charset="0"/>
-                <a:cs typeface="RawengulkSans" charset="0"/>
-                <a:hlinkClick r:id="rId4"/>
-              </a:rPr>
-              <a:t>www.heroku.com/what</a:t>
-            </a:r>
-            <a:endParaRPr lang="en-US" b="1" dirty="0" smtClean="0">
-              <a:solidFill>
-                <a:srgbClr val="211F6B"/>
-              </a:solidFill>
-              <a:latin typeface="RawengulkSans" charset="0"/>
-              <a:ea typeface="RawengulkSans" charset="0"/>
-              <a:cs typeface="RawengulkSans" charset="0"/>
-            </a:endParaRPr>
-          </a:p>
-          <a:p>
-            <a:endParaRPr lang="en-US" b="1" dirty="0" smtClean="0">
-              <a:solidFill>
-                <a:srgbClr val="211F6B"/>
-              </a:solidFill>
-              <a:latin typeface="RawengulkSans" charset="0"/>
-              <a:ea typeface="RawengulkSans" charset="0"/>
-              <a:cs typeface="RawengulkSans" charset="0"/>
-            </a:endParaRPr>
-          </a:p>
-          <a:p>
-            <a:r>
-              <a:rPr lang="en-US" b="1" dirty="0" err="1">
-                <a:solidFill>
-                  <a:srgbClr val="211F6B"/>
-                </a:solidFill>
-                <a:latin typeface="RawengulkSans" charset="0"/>
-                <a:ea typeface="RawengulkSans" charset="0"/>
-                <a:cs typeface="RawengulkSans" charset="0"/>
-              </a:rPr>
-              <a:t>Heroku</a:t>
-            </a:r>
-            <a:r>
-              <a:rPr lang="en-US" b="1" dirty="0">
-                <a:solidFill>
-                  <a:srgbClr val="211F6B"/>
-                </a:solidFill>
-                <a:latin typeface="RawengulkSans" charset="0"/>
-                <a:ea typeface="RawengulkSans" charset="0"/>
-                <a:cs typeface="RawengulkSans" charset="0"/>
-              </a:rPr>
-              <a:t> is a cloud platform that lets companies build, deliver, monitor and scale apps — we're the fastest way to go from idea to URL, bypassing all those infrastructure headaches.</a:t>
-            </a:r>
-          </a:p>
-          <a:p>
-            <a:endParaRPr lang="en-US" b="1" dirty="0" smtClean="0">
-              <a:solidFill>
-                <a:srgbClr val="211F6B"/>
-              </a:solidFill>
-              <a:latin typeface="RawengulkSans" charset="0"/>
-              <a:ea typeface="RawengulkSans" charset="0"/>
-              <a:cs typeface="RawengulkSans" charset="0"/>
-            </a:endParaRPr>
-          </a:p>
-          <a:p>
-            <a:r>
-              <a:rPr lang="en-US" b="1" dirty="0">
-                <a:solidFill>
-                  <a:srgbClr val="211F6B"/>
-                </a:solidFill>
-                <a:latin typeface="RawengulkSans" charset="0"/>
-                <a:ea typeface="RawengulkSans" charset="0"/>
-                <a:cs typeface="RawengulkSans" charset="0"/>
-              </a:rPr>
-              <a:t>Go to </a:t>
-            </a:r>
-            <a:r>
-              <a:rPr lang="en-US" b="1" dirty="0">
-                <a:solidFill>
-                  <a:srgbClr val="211F6B"/>
-                </a:solidFill>
-                <a:latin typeface="RawengulkSans" charset="0"/>
-                <a:ea typeface="RawengulkSans" charset="0"/>
-                <a:cs typeface="RawengulkSans" charset="0"/>
-                <a:hlinkClick r:id="rId5"/>
-              </a:rPr>
-              <a:t>https://</a:t>
-            </a:r>
-            <a:r>
-              <a:rPr lang="en-US" b="1" dirty="0" smtClean="0">
-                <a:solidFill>
-                  <a:srgbClr val="211F6B"/>
-                </a:solidFill>
-                <a:latin typeface="RawengulkSans" charset="0"/>
-                <a:ea typeface="RawengulkSans" charset="0"/>
-                <a:cs typeface="RawengulkSans" charset="0"/>
-                <a:hlinkClick r:id="rId5"/>
-              </a:rPr>
-              <a:t>signup.heroku.com/devcenter</a:t>
-            </a:r>
-            <a:r>
-              <a:rPr lang="en-US" b="1" dirty="0" smtClean="0">
-                <a:solidFill>
-                  <a:srgbClr val="211F6B"/>
-                </a:solidFill>
-                <a:latin typeface="RawengulkSans" charset="0"/>
-                <a:ea typeface="RawengulkSans" charset="0"/>
-                <a:cs typeface="RawengulkSans" charset="0"/>
-              </a:rPr>
-              <a:t> and create a new account.</a:t>
-            </a:r>
-          </a:p>
-          <a:p>
-            <a:endParaRPr lang="en-US" b="1" dirty="0">
-              <a:solidFill>
-                <a:srgbClr val="211F6B"/>
-              </a:solidFill>
-              <a:latin typeface="RawengulkSans" charset="0"/>
-              <a:ea typeface="RawengulkSans" charset="0"/>
-              <a:cs typeface="RawengulkSans" charset="0"/>
-            </a:endParaRPr>
-          </a:p>
-          <a:p>
-            <a:endParaRPr lang="en-US" b="1" dirty="0">
-              <a:solidFill>
-                <a:srgbClr val="211F6B"/>
-              </a:solidFill>
-              <a:latin typeface="RawengulkSans" charset="0"/>
-              <a:ea typeface="RawengulkSans" charset="0"/>
-              <a:cs typeface="RawengulkSans" charset="0"/>
-            </a:endParaRPr>
-          </a:p>
-        </p:txBody>
-      </p:sp>
-      <p:sp>
-        <p:nvSpPr>
-          <p:cNvPr id="4" name="TextBox 3"/>
-          <p:cNvSpPr txBox="1"/>
-          <p:nvPr/>
-        </p:nvSpPr>
-        <p:spPr>
-          <a:xfrm>
-            <a:off x="9450042" y="6430946"/>
-            <a:ext cx="2673646" cy="369332"/>
-          </a:xfrm>
-          <a:prstGeom prst="rect">
-            <a:avLst/>
-          </a:prstGeom>
-          <a:noFill/>
-        </p:spPr>
-        <p:txBody>
-          <a:bodyPr wrap="square" rtlCol="0">
-            <a:spAutoFit/>
-          </a:bodyPr>
-          <a:lstStyle/>
-          <a:p>
-            <a:pPr algn="ctr"/>
-            <a:r>
-              <a:rPr lang="en-US" b="1" dirty="0" err="1">
-                <a:latin typeface="RawengulkSans" charset="0"/>
-                <a:ea typeface="RawengulkSans" charset="0"/>
-                <a:cs typeface="RawengulkSans" charset="0"/>
-              </a:rPr>
-              <a:t>alejandro@kommit.co</a:t>
-            </a:r>
-            <a:endParaRPr lang="en-US" b="1" dirty="0">
-              <a:latin typeface="RawengulkSans" charset="0"/>
-              <a:ea typeface="RawengulkSans" charset="0"/>
-              <a:cs typeface="RawengulkSans" charset="0"/>
-            </a:endParaRPr>
-          </a:p>
-        </p:txBody>
-      </p:sp>
-    </p:spTree>
-    <p:extLst>
-      <p:ext uri="{BB962C8B-B14F-4D97-AF65-F5344CB8AC3E}">
-        <p14:creationId xmlns:p14="http://schemas.microsoft.com/office/powerpoint/2010/main" val="1454896198"/>
-      </p:ext>
-    </p:extLst>
-  </p:cSld>
-  <p:clrMapOvr>
-    <a:masterClrMapping/>
-  </p:clrMapOvr>
-</p:sld>
-</file>
-
-<file path=ppt/slides/slide13.xml><?xml version="1.0" encoding="utf-8"?>
-<p:sld xmlns:a="http://schemas.openxmlformats.org/drawingml/2006/main" xmlns:r="http://schemas.openxmlformats.org/officeDocument/2006/relationships" xmlns:p="http://schemas.openxmlformats.org/presentationml/2006/main">
-  <p:cSld>
-    <p:spTree>
-      <p:nvGrpSpPr>
-        <p:cNvPr id="1" name=""/>
-        <p:cNvGrpSpPr/>
-        <p:nvPr/>
-      </p:nvGrpSpPr>
-      <p:grpSpPr>
-        <a:xfrm>
-          <a:off x="0" y="0"/>
-          <a:ext cx="0" cy="0"/>
-          <a:chOff x="0" y="0"/>
-          <a:chExt cx="0" cy="0"/>
-        </a:xfrm>
-      </p:grpSpPr>
-      <p:sp>
-        <p:nvSpPr>
-          <p:cNvPr id="2" name="Title 1"/>
-          <p:cNvSpPr>
-            <a:spLocks noGrp="1"/>
-          </p:cNvSpPr>
-          <p:nvPr>
-            <p:ph type="title"/>
-          </p:nvPr>
-        </p:nvSpPr>
-        <p:spPr>
-          <a:xfrm>
-            <a:off x="1702676" y="175933"/>
-            <a:ext cx="9651124" cy="1325563"/>
-          </a:xfrm>
-        </p:spPr>
-        <p:txBody>
-          <a:bodyPr/>
-          <a:lstStyle/>
-          <a:p>
-            <a:pPr algn="ctr"/>
-            <a:r>
-              <a:rPr lang="en-US" b="1" smtClean="0">
-                <a:solidFill>
-                  <a:srgbClr val="211F6B"/>
-                </a:solidFill>
-                <a:latin typeface="RawengulkSans" charset="0"/>
-                <a:ea typeface="RawengulkSans" charset="0"/>
-                <a:cs typeface="RawengulkSans" charset="0"/>
-              </a:rPr>
-              <a:t>Heroku</a:t>
-            </a:r>
-            <a:endParaRPr lang="en-US" dirty="0"/>
-          </a:p>
-        </p:txBody>
-      </p:sp>
-      <p:sp>
-        <p:nvSpPr>
-          <p:cNvPr id="3" name="Content Placeholder 2"/>
-          <p:cNvSpPr>
-            <a:spLocks noGrp="1"/>
-          </p:cNvSpPr>
-          <p:nvPr>
-            <p:ph idx="1"/>
-          </p:nvPr>
-        </p:nvSpPr>
-        <p:spPr/>
-        <p:txBody>
-          <a:bodyPr>
-            <a:normAutofit/>
-          </a:bodyPr>
-          <a:lstStyle/>
-          <a:p>
-            <a:r>
-              <a:rPr lang="en-US" b="1" dirty="0" smtClean="0">
-                <a:solidFill>
-                  <a:srgbClr val="211F6B"/>
-                </a:solidFill>
-                <a:latin typeface="RawengulkSans" charset="0"/>
-                <a:ea typeface="RawengulkSans" charset="0"/>
-                <a:cs typeface="RawengulkSans" charset="0"/>
-              </a:rPr>
-              <a:t>With </a:t>
-            </a:r>
-            <a:r>
-              <a:rPr lang="en-US" b="1" dirty="0" smtClean="0">
-                <a:solidFill>
-                  <a:srgbClr val="211F6B"/>
-                </a:solidFill>
-                <a:latin typeface="RawengulkSans" charset="0"/>
-                <a:ea typeface="RawengulkSans" charset="0"/>
-                <a:cs typeface="RawengulkSans" charset="0"/>
-              </a:rPr>
-              <a:t>this command:</a:t>
-            </a:r>
-          </a:p>
-          <a:p>
-            <a:pPr lvl="1"/>
-            <a:r>
-              <a:rPr lang="en-US" dirty="0" err="1">
-                <a:solidFill>
-                  <a:srgbClr val="211F6B"/>
-                </a:solidFill>
-                <a:latin typeface="Courier New" charset="0"/>
-                <a:ea typeface="Courier New" charset="0"/>
-                <a:cs typeface="Courier New" charset="0"/>
-              </a:rPr>
-              <a:t>wget</a:t>
-            </a:r>
-            <a:r>
-              <a:rPr lang="en-US" dirty="0">
-                <a:solidFill>
-                  <a:srgbClr val="211F6B"/>
-                </a:solidFill>
-                <a:latin typeface="Courier New" charset="0"/>
-                <a:ea typeface="Courier New" charset="0"/>
-                <a:cs typeface="Courier New" charset="0"/>
-              </a:rPr>
-              <a:t> -O- https://</a:t>
-            </a:r>
-            <a:r>
-              <a:rPr lang="en-US" dirty="0" err="1">
-                <a:solidFill>
-                  <a:srgbClr val="211F6B"/>
-                </a:solidFill>
-                <a:latin typeface="Courier New" charset="0"/>
-                <a:ea typeface="Courier New" charset="0"/>
-                <a:cs typeface="Courier New" charset="0"/>
-              </a:rPr>
-              <a:t>toolbelt.heroku.com</a:t>
-            </a:r>
-            <a:r>
-              <a:rPr lang="en-US" dirty="0">
-                <a:solidFill>
-                  <a:srgbClr val="211F6B"/>
-                </a:solidFill>
-                <a:latin typeface="Courier New" charset="0"/>
-                <a:ea typeface="Courier New" charset="0"/>
-                <a:cs typeface="Courier New" charset="0"/>
-              </a:rPr>
-              <a:t>/install-</a:t>
-            </a:r>
-            <a:r>
-              <a:rPr lang="en-US" dirty="0" err="1">
-                <a:solidFill>
-                  <a:srgbClr val="211F6B"/>
-                </a:solidFill>
-                <a:latin typeface="Courier New" charset="0"/>
-                <a:ea typeface="Courier New" charset="0"/>
-                <a:cs typeface="Courier New" charset="0"/>
-              </a:rPr>
-              <a:t>ubuntu.sh</a:t>
-            </a:r>
-            <a:r>
-              <a:rPr lang="en-US" dirty="0">
-                <a:solidFill>
-                  <a:srgbClr val="211F6B"/>
-                </a:solidFill>
-                <a:latin typeface="Courier New" charset="0"/>
-                <a:ea typeface="Courier New" charset="0"/>
-                <a:cs typeface="Courier New" charset="0"/>
-              </a:rPr>
-              <a:t> | </a:t>
-            </a:r>
-            <a:r>
-              <a:rPr lang="en-US" dirty="0" err="1" smtClean="0">
-                <a:solidFill>
-                  <a:srgbClr val="211F6B"/>
-                </a:solidFill>
-                <a:latin typeface="Courier New" charset="0"/>
-                <a:ea typeface="Courier New" charset="0"/>
-                <a:cs typeface="Courier New" charset="0"/>
-              </a:rPr>
-              <a:t>sh</a:t>
-            </a:r>
-            <a:endParaRPr lang="en-US" dirty="0" smtClean="0">
-              <a:solidFill>
-                <a:srgbClr val="211F6B"/>
-              </a:solidFill>
-              <a:latin typeface="Courier New" charset="0"/>
-              <a:ea typeface="Courier New" charset="0"/>
-              <a:cs typeface="Courier New" charset="0"/>
-            </a:endParaRPr>
-          </a:p>
-          <a:p>
-            <a:r>
-              <a:rPr lang="en-US" b="1" dirty="0" smtClean="0">
-                <a:solidFill>
-                  <a:srgbClr val="211F6B"/>
-                </a:solidFill>
-                <a:latin typeface="RawengulkSans" charset="0"/>
-                <a:ea typeface="RawengulkSans" charset="0"/>
-                <a:cs typeface="RawengulkSans" charset="0"/>
-              </a:rPr>
-              <a:t>Review the </a:t>
-            </a:r>
-            <a:r>
-              <a:rPr lang="en-US" b="1" dirty="0" err="1" smtClean="0">
-                <a:solidFill>
-                  <a:srgbClr val="211F6B"/>
-                </a:solidFill>
-                <a:latin typeface="RawengulkSans" charset="0"/>
-                <a:ea typeface="RawengulkSans" charset="0"/>
-                <a:cs typeface="RawengulkSans" charset="0"/>
-              </a:rPr>
-              <a:t>heroku</a:t>
-            </a:r>
-            <a:r>
-              <a:rPr lang="en-US" b="1" dirty="0" smtClean="0">
-                <a:solidFill>
-                  <a:srgbClr val="211F6B"/>
-                </a:solidFill>
-                <a:latin typeface="RawengulkSans" charset="0"/>
-                <a:ea typeface="RawengulkSans" charset="0"/>
-                <a:cs typeface="RawengulkSans" charset="0"/>
-              </a:rPr>
-              <a:t> version</a:t>
-            </a:r>
-          </a:p>
-          <a:p>
-            <a:pPr lvl="1"/>
-            <a:r>
-              <a:rPr lang="en-US" dirty="0">
-                <a:solidFill>
-                  <a:srgbClr val="211F6B"/>
-                </a:solidFill>
-                <a:latin typeface="Courier New" charset="0"/>
-                <a:ea typeface="Courier New" charset="0"/>
-                <a:cs typeface="Courier New" charset="0"/>
-              </a:rPr>
-              <a:t>h</a:t>
-            </a:r>
-            <a:r>
-              <a:rPr lang="es-ES" dirty="0" err="1" smtClean="0">
-                <a:solidFill>
-                  <a:srgbClr val="211F6B"/>
-                </a:solidFill>
-                <a:latin typeface="Courier New" charset="0"/>
-                <a:ea typeface="Courier New" charset="0"/>
-                <a:cs typeface="Courier New" charset="0"/>
-              </a:rPr>
-              <a:t>eroku</a:t>
-            </a:r>
-            <a:r>
-              <a:rPr lang="es-ES" dirty="0" smtClean="0">
-                <a:solidFill>
-                  <a:srgbClr val="211F6B"/>
-                </a:solidFill>
-                <a:latin typeface="Courier New" charset="0"/>
-                <a:ea typeface="Courier New" charset="0"/>
-                <a:cs typeface="Courier New" charset="0"/>
-              </a:rPr>
-              <a:t> </a:t>
-            </a:r>
-            <a:r>
-              <a:rPr lang="mr-IN" dirty="0" smtClean="0">
-                <a:solidFill>
-                  <a:srgbClr val="211F6B"/>
-                </a:solidFill>
-                <a:latin typeface="Courier New" charset="0"/>
-                <a:ea typeface="Courier New" charset="0"/>
-                <a:cs typeface="Courier New" charset="0"/>
-              </a:rPr>
-              <a:t>–</a:t>
-            </a:r>
-            <a:r>
-              <a:rPr lang="es-ES" dirty="0" smtClean="0">
-                <a:solidFill>
-                  <a:srgbClr val="211F6B"/>
-                </a:solidFill>
-                <a:latin typeface="Courier New" charset="0"/>
-                <a:ea typeface="Courier New" charset="0"/>
-                <a:cs typeface="Courier New" charset="0"/>
-              </a:rPr>
-              <a:t>v -&gt; </a:t>
-            </a:r>
-            <a:r>
-              <a:rPr lang="mr-IN" dirty="0" err="1" smtClean="0">
-                <a:solidFill>
-                  <a:srgbClr val="211F6B"/>
-                </a:solidFill>
-                <a:latin typeface="Courier New" charset="0"/>
-                <a:ea typeface="Courier New" charset="0"/>
-                <a:cs typeface="Courier New" charset="0"/>
-              </a:rPr>
-              <a:t>heroku</a:t>
-            </a:r>
-            <a:r>
-              <a:rPr lang="mr-IN" dirty="0" smtClean="0">
-                <a:solidFill>
-                  <a:srgbClr val="211F6B"/>
-                </a:solidFill>
-                <a:latin typeface="Courier New" charset="0"/>
-                <a:ea typeface="Courier New" charset="0"/>
-                <a:cs typeface="Courier New" charset="0"/>
-              </a:rPr>
-              <a:t>/7.18.7 </a:t>
-            </a:r>
-            <a:r>
-              <a:rPr lang="mr-IN" dirty="0">
-                <a:solidFill>
-                  <a:srgbClr val="211F6B"/>
-                </a:solidFill>
-                <a:latin typeface="Courier New" charset="0"/>
-                <a:ea typeface="Courier New" charset="0"/>
-                <a:cs typeface="Courier New" charset="0"/>
-              </a:rPr>
-              <a:t>linux-x64 node-v11.1.0</a:t>
-            </a:r>
-            <a:endParaRPr lang="en-US" dirty="0">
-              <a:solidFill>
-                <a:srgbClr val="211F6B"/>
-              </a:solidFill>
-              <a:latin typeface="Courier New" charset="0"/>
-              <a:ea typeface="Courier New" charset="0"/>
-              <a:cs typeface="Courier New" charset="0"/>
-            </a:endParaRPr>
-          </a:p>
-          <a:p>
-            <a:r>
-              <a:rPr lang="en-US" b="1" dirty="0" smtClean="0">
-                <a:solidFill>
-                  <a:srgbClr val="211F6B"/>
-                </a:solidFill>
-                <a:latin typeface="RawengulkSans" charset="0"/>
-                <a:ea typeface="RawengulkSans" charset="0"/>
-                <a:cs typeface="RawengulkSans" charset="0"/>
-              </a:rPr>
-              <a:t>After that we have the </a:t>
-            </a:r>
-            <a:r>
-              <a:rPr lang="en-US" b="1" dirty="0" err="1" smtClean="0">
-                <a:solidFill>
-                  <a:srgbClr val="211F6B"/>
-                </a:solidFill>
-                <a:latin typeface="RawengulkSans" charset="0"/>
-                <a:ea typeface="RawengulkSans" charset="0"/>
-                <a:cs typeface="RawengulkSans" charset="0"/>
-              </a:rPr>
-              <a:t>heroku</a:t>
-            </a:r>
-            <a:r>
-              <a:rPr lang="en-US" b="1" dirty="0" smtClean="0">
-                <a:solidFill>
-                  <a:srgbClr val="211F6B"/>
-                </a:solidFill>
-                <a:latin typeface="RawengulkSans" charset="0"/>
-                <a:ea typeface="RawengulkSans" charset="0"/>
-                <a:cs typeface="RawengulkSans" charset="0"/>
-              </a:rPr>
-              <a:t> command available in the terminal, log in using your </a:t>
-            </a:r>
-            <a:r>
-              <a:rPr lang="en-US" b="1" dirty="0" err="1" smtClean="0">
-                <a:solidFill>
-                  <a:srgbClr val="211F6B"/>
-                </a:solidFill>
-                <a:latin typeface="RawengulkSans" charset="0"/>
-                <a:ea typeface="RawengulkSans" charset="0"/>
-                <a:cs typeface="RawengulkSans" charset="0"/>
-              </a:rPr>
-              <a:t>heroku</a:t>
-            </a:r>
-            <a:r>
-              <a:rPr lang="en-US" b="1" dirty="0" smtClean="0">
-                <a:solidFill>
-                  <a:srgbClr val="211F6B"/>
-                </a:solidFill>
-                <a:latin typeface="RawengulkSans" charset="0"/>
-                <a:ea typeface="RawengulkSans" charset="0"/>
-                <a:cs typeface="RawengulkSans" charset="0"/>
-              </a:rPr>
-              <a:t> credentials and with this command:</a:t>
-            </a:r>
-          </a:p>
-          <a:p>
-            <a:pPr lvl="1"/>
-            <a:r>
-              <a:rPr lang="en-US" dirty="0" err="1">
-                <a:solidFill>
-                  <a:srgbClr val="211F6B"/>
-                </a:solidFill>
-                <a:latin typeface="Courier New" charset="0"/>
-                <a:ea typeface="Courier New" charset="0"/>
-                <a:cs typeface="Courier New" charset="0"/>
-              </a:rPr>
-              <a:t>h</a:t>
-            </a:r>
-            <a:r>
-              <a:rPr lang="en-US" dirty="0" err="1" smtClean="0">
-                <a:solidFill>
-                  <a:srgbClr val="211F6B"/>
-                </a:solidFill>
-                <a:latin typeface="Courier New" charset="0"/>
-                <a:ea typeface="Courier New" charset="0"/>
-                <a:cs typeface="Courier New" charset="0"/>
-              </a:rPr>
-              <a:t>eroku</a:t>
-            </a:r>
-            <a:r>
-              <a:rPr lang="en-US" dirty="0" smtClean="0">
-                <a:solidFill>
-                  <a:srgbClr val="211F6B"/>
-                </a:solidFill>
-                <a:latin typeface="Courier New" charset="0"/>
-                <a:ea typeface="Courier New" charset="0"/>
-                <a:cs typeface="Courier New" charset="0"/>
-              </a:rPr>
-              <a:t> login</a:t>
-            </a:r>
-          </a:p>
-          <a:p>
-            <a:endParaRPr lang="en-US" b="1" dirty="0">
-              <a:solidFill>
-                <a:srgbClr val="211F6B"/>
-              </a:solidFill>
-              <a:latin typeface="Courier New" charset="0"/>
-              <a:ea typeface="Courier New" charset="0"/>
-              <a:cs typeface="Courier New" charset="0"/>
-            </a:endParaRPr>
-          </a:p>
-          <a:p>
-            <a:endParaRPr lang="en-US" b="1" dirty="0">
-              <a:solidFill>
-                <a:srgbClr val="211F6B"/>
-              </a:solidFill>
-              <a:latin typeface="RawengulkSans" charset="0"/>
-              <a:ea typeface="RawengulkSans" charset="0"/>
-              <a:cs typeface="RawengulkSans" charset="0"/>
-            </a:endParaRPr>
-          </a:p>
-        </p:txBody>
-      </p:sp>
-      <p:sp>
-        <p:nvSpPr>
-          <p:cNvPr id="4" name="TextBox 3"/>
-          <p:cNvSpPr txBox="1"/>
-          <p:nvPr/>
-        </p:nvSpPr>
-        <p:spPr>
-          <a:xfrm>
-            <a:off x="9450042" y="6430946"/>
-            <a:ext cx="2673646" cy="369332"/>
-          </a:xfrm>
-          <a:prstGeom prst="rect">
-            <a:avLst/>
-          </a:prstGeom>
-          <a:noFill/>
-        </p:spPr>
-        <p:txBody>
-          <a:bodyPr wrap="square" rtlCol="0">
-            <a:spAutoFit/>
-          </a:bodyPr>
-          <a:lstStyle/>
-          <a:p>
-            <a:pPr algn="ctr"/>
-            <a:r>
-              <a:rPr lang="en-US" b="1" dirty="0" err="1">
-                <a:latin typeface="RawengulkSans" charset="0"/>
-                <a:ea typeface="RawengulkSans" charset="0"/>
-                <a:cs typeface="RawengulkSans" charset="0"/>
-              </a:rPr>
-              <a:t>alejandro@kommit.co</a:t>
-            </a:r>
-            <a:endParaRPr lang="en-US" b="1" dirty="0">
-              <a:latin typeface="RawengulkSans" charset="0"/>
-              <a:ea typeface="RawengulkSans" charset="0"/>
-              <a:cs typeface="RawengulkSans" charset="0"/>
-            </a:endParaRPr>
-          </a:p>
-        </p:txBody>
-      </p:sp>
-    </p:spTree>
-    <p:extLst>
-      <p:ext uri="{BB962C8B-B14F-4D97-AF65-F5344CB8AC3E}">
-        <p14:creationId xmlns:p14="http://schemas.microsoft.com/office/powerpoint/2010/main" val="966622884"/>
       </p:ext>
     </p:extLst>
   </p:cSld>
@@ -6558,6 +5652,44 @@
               </a:rPr>
               <a:t>2.5.3</a:t>
             </a:r>
+          </a:p>
+          <a:p>
+            <a:r>
+              <a:rPr lang="en-US" b="1" dirty="0" smtClean="0">
+                <a:solidFill>
+                  <a:srgbClr val="211F6B"/>
+                </a:solidFill>
+                <a:latin typeface="RawengulkSans" charset="0"/>
+                <a:ea typeface="RawengulkSans" charset="0"/>
+                <a:cs typeface="RawengulkSans" charset="0"/>
+              </a:rPr>
+              <a:t>Install the last Rails version</a:t>
+            </a:r>
+          </a:p>
+          <a:p>
+            <a:pPr lvl="1"/>
+            <a:r>
+              <a:rPr lang="en-US" dirty="0" smtClean="0">
+                <a:solidFill>
+                  <a:srgbClr val="211F6B"/>
+                </a:solidFill>
+                <a:latin typeface="Courier New" charset="0"/>
+                <a:ea typeface="Courier New" charset="0"/>
+                <a:cs typeface="Courier New" charset="0"/>
+              </a:rPr>
+              <a:t>gem </a:t>
+            </a:r>
+            <a:r>
+              <a:rPr lang="en-US" dirty="0">
+                <a:solidFill>
+                  <a:srgbClr val="211F6B"/>
+                </a:solidFill>
+                <a:latin typeface="Courier New" charset="0"/>
+                <a:ea typeface="Courier New" charset="0"/>
+                <a:cs typeface="Courier New" charset="0"/>
+              </a:rPr>
+              <a:t>install rails -v 5.2.1</a:t>
+            </a:r>
             <a:endParaRPr lang="en-US" dirty="0" smtClean="0">
               <a:solidFill>
                 <a:srgbClr val="211F6B"/>
@@ -6577,7 +5709,18 @@
                 <a:ea typeface="RawengulkSans" charset="0"/>
                 <a:cs typeface="RawengulkSans" charset="0"/>
               </a:rPr>
-              <a:t>Install the last Rails </a:t>
+              <a:t>Verify Ruby, </a:t>
+            </a:r>
+            <a:r>
+              <a:rPr lang="en-US" b="1" dirty="0" err="1" smtClean="0">
+                <a:solidFill>
+                  <a:srgbClr val="211F6B"/>
+                </a:solidFill>
+                <a:latin typeface="RawengulkSans" charset="0"/>
+                <a:ea typeface="RawengulkSans" charset="0"/>
+                <a:cs typeface="RawengulkSans" charset="0"/>
+              </a:rPr>
+              <a:t>rvm</a:t>
             </a:r>
             <a:r>
               <a:rPr lang="en-US" b="1" dirty="0" smtClean="0">
@@ -6588,12 +5731,114 @@
                 <a:ea typeface="RawengulkSans" charset="0"/>
                 <a:cs typeface="RawengulkSans" charset="0"/>
               </a:rPr>
+              <a:t> and Rails versions</a:t>
+            </a:r>
+          </a:p>
+          <a:p>
+            <a:pPr lvl="1"/>
+            <a:r>
+              <a:rPr lang="en-US" dirty="0" smtClean="0">
+                <a:solidFill>
+                  <a:srgbClr val="211F6B"/>
+                </a:solidFill>
+                <a:latin typeface="Courier New" charset="0"/>
+                <a:ea typeface="Courier New" charset="0"/>
+                <a:cs typeface="Courier New" charset="0"/>
+              </a:rPr>
+              <a:t>Ruby </a:t>
+            </a:r>
+            <a:r>
+              <a:rPr lang="es-ES" dirty="0" smtClean="0">
+                <a:solidFill>
+                  <a:srgbClr val="211F6B"/>
+                </a:solidFill>
+                <a:latin typeface="Courier New" charset="0"/>
+                <a:ea typeface="Courier New" charset="0"/>
+                <a:cs typeface="Courier New" charset="0"/>
+              </a:rPr>
+              <a:t>--</a:t>
+            </a:r>
+            <a:r>
+              <a:rPr lang="es-ES" dirty="0" err="1" smtClean="0">
+                <a:solidFill>
+                  <a:srgbClr val="211F6B"/>
+                </a:solidFill>
+                <a:latin typeface="Courier New" charset="0"/>
+                <a:ea typeface="Courier New" charset="0"/>
+                <a:cs typeface="Courier New" charset="0"/>
+              </a:rPr>
               <a:t>version</a:t>
             </a:r>
+            <a:r>
+              <a:rPr lang="es-ES" dirty="0" smtClean="0">
+                <a:solidFill>
+                  <a:srgbClr val="211F6B"/>
+                </a:solidFill>
+                <a:latin typeface="Courier New" charset="0"/>
+                <a:ea typeface="Courier New" charset="0"/>
+                <a:cs typeface="Courier New" charset="0"/>
+              </a:rPr>
+              <a:t> </a:t>
+            </a:r>
+            <a:r>
+              <a:rPr lang="es-ES" dirty="0" smtClean="0">
+                <a:solidFill>
+                  <a:srgbClr val="211F6B"/>
+                </a:solidFill>
+                <a:latin typeface="Courier New" charset="0"/>
+                <a:ea typeface="Courier New" charset="0"/>
+                <a:cs typeface="Courier New" charset="0"/>
+              </a:rPr>
+              <a:t>-&gt; </a:t>
+            </a:r>
+            <a:r>
+              <a:rPr lang="sk-SK" dirty="0">
+                <a:solidFill>
+                  <a:srgbClr val="211F6B"/>
+                </a:solidFill>
+                <a:latin typeface="Courier New" charset="0"/>
+                <a:ea typeface="Courier New" charset="0"/>
+                <a:cs typeface="Courier New" charset="0"/>
+              </a:rPr>
+              <a:t>ruby </a:t>
+            </a:r>
+            <a:r>
+              <a:rPr lang="sk-SK" dirty="0" smtClean="0">
+                <a:solidFill>
+                  <a:srgbClr val="211F6B"/>
+                </a:solidFill>
+                <a:latin typeface="Courier New" charset="0"/>
+                <a:ea typeface="Courier New" charset="0"/>
+                <a:cs typeface="Courier New" charset="0"/>
+              </a:rPr>
+              <a:t>2.5.3p105</a:t>
+            </a:r>
           </a:p>
           <a:p>
             <a:pPr lvl="1"/>
             <a:r>
+              <a:rPr lang="sk-SK" dirty="0" smtClean="0">
+                <a:solidFill>
+                  <a:srgbClr val="211F6B"/>
+                </a:solidFill>
+                <a:latin typeface="Courier New" charset="0"/>
+                <a:ea typeface="Courier New" charset="0"/>
+                <a:cs typeface="Courier New" charset="0"/>
+              </a:rPr>
+              <a:t>R</a:t>
+            </a:r>
+            <a:r>
+              <a:rPr lang="en-US" dirty="0" err="1" smtClean="0">
+                <a:solidFill>
+                  <a:srgbClr val="211F6B"/>
+                </a:solidFill>
+                <a:latin typeface="Courier New" charset="0"/>
+                <a:ea typeface="Courier New" charset="0"/>
+                <a:cs typeface="Courier New" charset="0"/>
+              </a:rPr>
+              <a:t>vm</a:t>
+            </a:r>
+            <a:r>
               <a:rPr lang="en-US" dirty="0" smtClean="0">
                 <a:solidFill>
                   <a:srgbClr val="211F6B"/>
@@ -6602,7 +5847,120 @@
                 <a:ea typeface="Courier New" charset="0"/>
                 <a:cs typeface="Courier New" charset="0"/>
               </a:rPr>
-              <a:t>gem </a:t>
+              <a:t> </a:t>
+            </a:r>
+            <a:r>
+              <a:rPr lang="es-ES" dirty="0" smtClean="0">
+                <a:solidFill>
+                  <a:srgbClr val="211F6B"/>
+                </a:solidFill>
+                <a:latin typeface="Courier New" charset="0"/>
+                <a:ea typeface="Courier New" charset="0"/>
+                <a:cs typeface="Courier New" charset="0"/>
+              </a:rPr>
+              <a:t>--</a:t>
+            </a:r>
+            <a:r>
+              <a:rPr lang="en-US" dirty="0" smtClean="0">
+                <a:solidFill>
+                  <a:srgbClr val="211F6B"/>
+                </a:solidFill>
+                <a:latin typeface="Courier New" charset="0"/>
+                <a:ea typeface="Courier New" charset="0"/>
+                <a:cs typeface="Courier New" charset="0"/>
+              </a:rPr>
+              <a:t>version </a:t>
+            </a:r>
+            <a:r>
+              <a:rPr lang="en-US" dirty="0" smtClean="0">
+                <a:solidFill>
+                  <a:srgbClr val="211F6B"/>
+                </a:solidFill>
+                <a:latin typeface="Courier New" charset="0"/>
+                <a:ea typeface="Courier New" charset="0"/>
+                <a:cs typeface="Courier New" charset="0"/>
+              </a:rPr>
+              <a:t>-&gt; </a:t>
+            </a:r>
+            <a:r>
+              <a:rPr lang="nb-NO" dirty="0" err="1">
+                <a:solidFill>
+                  <a:srgbClr val="211F6B"/>
+                </a:solidFill>
+                <a:latin typeface="Courier New" charset="0"/>
+                <a:ea typeface="Courier New" charset="0"/>
+                <a:cs typeface="Courier New" charset="0"/>
+              </a:rPr>
+              <a:t>rvm</a:t>
+            </a:r>
+            <a:r>
+              <a:rPr lang="nb-NO" dirty="0">
+                <a:solidFill>
+                  <a:srgbClr val="211F6B"/>
+                </a:solidFill>
+                <a:latin typeface="Courier New" charset="0"/>
+                <a:ea typeface="Courier New" charset="0"/>
+                <a:cs typeface="Courier New" charset="0"/>
+              </a:rPr>
+              <a:t> </a:t>
+            </a:r>
+            <a:r>
+              <a:rPr lang="nb-NO" dirty="0" smtClean="0">
+                <a:solidFill>
+                  <a:srgbClr val="211F6B"/>
+                </a:solidFill>
+                <a:latin typeface="Courier New" charset="0"/>
+                <a:ea typeface="Courier New" charset="0"/>
+                <a:cs typeface="Courier New" charset="0"/>
+              </a:rPr>
+              <a:t>1.29.4</a:t>
+            </a:r>
+          </a:p>
+          <a:p>
+            <a:pPr lvl="1"/>
+            <a:r>
+              <a:rPr lang="nb-NO" dirty="0" smtClean="0">
+                <a:solidFill>
+                  <a:srgbClr val="211F6B"/>
+                </a:solidFill>
+                <a:latin typeface="Courier New" charset="0"/>
+                <a:ea typeface="Courier New" charset="0"/>
+                <a:cs typeface="Courier New" charset="0"/>
+              </a:rPr>
+              <a:t>R</a:t>
+            </a:r>
+            <a:r>
+              <a:rPr lang="en-US" dirty="0" smtClean="0">
+                <a:solidFill>
+                  <a:srgbClr val="211F6B"/>
+                </a:solidFill>
+                <a:latin typeface="Courier New" charset="0"/>
+                <a:ea typeface="Courier New" charset="0"/>
+                <a:cs typeface="Courier New" charset="0"/>
+              </a:rPr>
+              <a:t>ails </a:t>
+            </a:r>
+            <a:r>
+              <a:rPr lang="es-ES" dirty="0" smtClean="0">
+                <a:solidFill>
+                  <a:srgbClr val="211F6B"/>
+                </a:solidFill>
+                <a:latin typeface="Courier New" charset="0"/>
+                <a:ea typeface="Courier New" charset="0"/>
+                <a:cs typeface="Courier New" charset="0"/>
+              </a:rPr>
+              <a:t>--</a:t>
+            </a:r>
+            <a:r>
+              <a:rPr lang="en-US" dirty="0" smtClean="0">
+                <a:solidFill>
+                  <a:srgbClr val="211F6B"/>
+                </a:solidFill>
+                <a:latin typeface="Courier New" charset="0"/>
+                <a:ea typeface="Courier New" charset="0"/>
+                <a:cs typeface="Courier New" charset="0"/>
+              </a:rPr>
+              <a:t>version </a:t>
             </a:r>
             <a:r>
               <a:rPr lang="en-US" dirty="0">
@@ -6613,235 +5971,7 @@
                 <a:ea typeface="Courier New" charset="0"/>
                 <a:cs typeface="Courier New" charset="0"/>
               </a:rPr>
-              <a:t>install rails -v 5.2.1</a:t>
-            </a:r>
-            <a:endParaRPr lang="en-US" dirty="0" smtClean="0">
-              <a:solidFill>
-                <a:srgbClr val="211F6B"/>
-              </a:solidFill>
-              <a:latin typeface="Courier New" charset="0"/>
-              <a:ea typeface="Courier New" charset="0"/>
-              <a:cs typeface="Courier New" charset="0"/>
-            </a:endParaRPr>
-          </a:p>
-          <a:p>
-            <a:r>
-              <a:rPr lang="en-US" b="1" dirty="0" smtClean="0">
-                <a:solidFill>
-                  <a:srgbClr val="211F6B"/>
-                </a:solidFill>
-                <a:latin typeface="RawengulkSans" charset="0"/>
-                <a:ea typeface="RawengulkSans" charset="0"/>
-                <a:cs typeface="RawengulkSans" charset="0"/>
-              </a:rPr>
-              <a:t>Verify Ruby, </a:t>
-            </a:r>
-            <a:r>
-              <a:rPr lang="en-US" b="1" dirty="0" err="1" smtClean="0">
-                <a:solidFill>
-                  <a:srgbClr val="211F6B"/>
-                </a:solidFill>
-                <a:latin typeface="RawengulkSans" charset="0"/>
-                <a:ea typeface="RawengulkSans" charset="0"/>
-                <a:cs typeface="RawengulkSans" charset="0"/>
-              </a:rPr>
-              <a:t>rvm</a:t>
-            </a:r>
-            <a:r>
-              <a:rPr lang="en-US" b="1" dirty="0" smtClean="0">
-                <a:solidFill>
-                  <a:srgbClr val="211F6B"/>
-                </a:solidFill>
-                <a:latin typeface="RawengulkSans" charset="0"/>
-                <a:ea typeface="RawengulkSans" charset="0"/>
-                <a:cs typeface="RawengulkSans" charset="0"/>
-              </a:rPr>
-              <a:t> and Rails versions</a:t>
-            </a:r>
-          </a:p>
-          <a:p>
-            <a:pPr lvl="1"/>
-            <a:r>
-              <a:rPr lang="en-US" dirty="0">
-                <a:solidFill>
-                  <a:srgbClr val="211F6B"/>
-                </a:solidFill>
-                <a:latin typeface="Courier New" charset="0"/>
-                <a:ea typeface="Courier New" charset="0"/>
-                <a:cs typeface="Courier New" charset="0"/>
-              </a:rPr>
-              <a:t>r</a:t>
-            </a:r>
-            <a:r>
-              <a:rPr lang="en-US" dirty="0" smtClean="0">
-                <a:solidFill>
-                  <a:srgbClr val="211F6B"/>
-                </a:solidFill>
-                <a:latin typeface="Courier New" charset="0"/>
-                <a:ea typeface="Courier New" charset="0"/>
-                <a:cs typeface="Courier New" charset="0"/>
-              </a:rPr>
-              <a:t>uby </a:t>
-            </a:r>
-            <a:r>
-              <a:rPr lang="mr-IN" dirty="0" smtClean="0">
-                <a:solidFill>
-                  <a:srgbClr val="211F6B"/>
-                </a:solidFill>
-                <a:latin typeface="Courier New" charset="0"/>
-                <a:ea typeface="Courier New" charset="0"/>
-                <a:cs typeface="Courier New" charset="0"/>
-              </a:rPr>
-              <a:t>–</a:t>
-            </a:r>
-            <a:r>
-              <a:rPr lang="es-ES" dirty="0" smtClean="0">
-                <a:solidFill>
-                  <a:srgbClr val="211F6B"/>
-                </a:solidFill>
-                <a:latin typeface="Courier New" charset="0"/>
-                <a:ea typeface="Courier New" charset="0"/>
-                <a:cs typeface="Courier New" charset="0"/>
-              </a:rPr>
-              <a:t>v -&gt; </a:t>
-            </a:r>
-            <a:r>
-              <a:rPr lang="sk-SK" dirty="0">
-                <a:solidFill>
-                  <a:srgbClr val="211F6B"/>
-                </a:solidFill>
-                <a:latin typeface="Courier New" charset="0"/>
-                <a:ea typeface="Courier New" charset="0"/>
-                <a:cs typeface="Courier New" charset="0"/>
-              </a:rPr>
-              <a:t>ruby </a:t>
-            </a:r>
-            <a:r>
-              <a:rPr lang="sk-SK" dirty="0" smtClean="0">
-                <a:solidFill>
-                  <a:srgbClr val="211F6B"/>
-                </a:solidFill>
-                <a:latin typeface="Courier New" charset="0"/>
-                <a:ea typeface="Courier New" charset="0"/>
-                <a:cs typeface="Courier New" charset="0"/>
-              </a:rPr>
-              <a:t>2.5.3p105</a:t>
-            </a:r>
-          </a:p>
-          <a:p>
-            <a:pPr lvl="1"/>
-            <a:r>
-              <a:rPr lang="en-US" dirty="0" err="1" smtClean="0">
-                <a:solidFill>
-                  <a:srgbClr val="211F6B"/>
-                </a:solidFill>
-                <a:latin typeface="Courier New" charset="0"/>
-                <a:ea typeface="Courier New" charset="0"/>
-                <a:cs typeface="Courier New" charset="0"/>
-              </a:rPr>
-              <a:t>rvm</a:t>
-            </a:r>
-            <a:r>
-              <a:rPr lang="en-US" dirty="0" smtClean="0">
-                <a:solidFill>
-                  <a:srgbClr val="211F6B"/>
-                </a:solidFill>
-                <a:latin typeface="Courier New" charset="0"/>
-                <a:ea typeface="Courier New" charset="0"/>
-                <a:cs typeface="Courier New" charset="0"/>
-              </a:rPr>
-              <a:t> </a:t>
-            </a:r>
-            <a:r>
-              <a:rPr lang="mr-IN" dirty="0" smtClean="0">
-                <a:solidFill>
-                  <a:srgbClr val="211F6B"/>
-                </a:solidFill>
-                <a:latin typeface="Courier New" charset="0"/>
-                <a:ea typeface="Courier New" charset="0"/>
-                <a:cs typeface="Courier New" charset="0"/>
-              </a:rPr>
-              <a:t>–</a:t>
-            </a:r>
-            <a:r>
-              <a:rPr lang="en-US" dirty="0" smtClean="0">
-                <a:solidFill>
-                  <a:srgbClr val="211F6B"/>
-                </a:solidFill>
-                <a:latin typeface="Courier New" charset="0"/>
-                <a:ea typeface="Courier New" charset="0"/>
-                <a:cs typeface="Courier New" charset="0"/>
-              </a:rPr>
-              <a:t>v -&gt; </a:t>
-            </a:r>
-            <a:r>
-              <a:rPr lang="nb-NO" dirty="0" err="1">
-                <a:solidFill>
-                  <a:srgbClr val="211F6B"/>
-                </a:solidFill>
-                <a:latin typeface="Courier New" charset="0"/>
-                <a:ea typeface="Courier New" charset="0"/>
-                <a:cs typeface="Courier New" charset="0"/>
-              </a:rPr>
-              <a:t>rvm</a:t>
-            </a:r>
-            <a:r>
-              <a:rPr lang="nb-NO" dirty="0">
-                <a:solidFill>
-                  <a:srgbClr val="211F6B"/>
-                </a:solidFill>
-                <a:latin typeface="Courier New" charset="0"/>
-                <a:ea typeface="Courier New" charset="0"/>
-                <a:cs typeface="Courier New" charset="0"/>
-              </a:rPr>
-              <a:t> </a:t>
-            </a:r>
-            <a:r>
-              <a:rPr lang="nb-NO" dirty="0" smtClean="0">
-                <a:solidFill>
-                  <a:srgbClr val="211F6B"/>
-                </a:solidFill>
-                <a:latin typeface="Courier New" charset="0"/>
-                <a:ea typeface="Courier New" charset="0"/>
-                <a:cs typeface="Courier New" charset="0"/>
-              </a:rPr>
-              <a:t>1.29.4</a:t>
-            </a:r>
-          </a:p>
-          <a:p>
-            <a:pPr lvl="1"/>
-            <a:r>
-              <a:rPr lang="en-US" dirty="0" smtClean="0">
-                <a:solidFill>
-                  <a:srgbClr val="211F6B"/>
-                </a:solidFill>
-                <a:latin typeface="Courier New" charset="0"/>
-                <a:ea typeface="Courier New" charset="0"/>
-                <a:cs typeface="Courier New" charset="0"/>
-              </a:rPr>
-              <a:t>rails </a:t>
-            </a:r>
-            <a:r>
-              <a:rPr lang="mr-IN" dirty="0" smtClean="0">
-                <a:solidFill>
-                  <a:srgbClr val="211F6B"/>
-                </a:solidFill>
-                <a:latin typeface="Courier New" charset="0"/>
-                <a:ea typeface="Courier New" charset="0"/>
-                <a:cs typeface="Courier New" charset="0"/>
-              </a:rPr>
-              <a:t>–</a:t>
-            </a:r>
-            <a:r>
-              <a:rPr lang="en-US" dirty="0">
-                <a:solidFill>
-                  <a:srgbClr val="211F6B"/>
-                </a:solidFill>
-                <a:latin typeface="Courier New" charset="0"/>
-                <a:ea typeface="Courier New" charset="0"/>
-                <a:cs typeface="Courier New" charset="0"/>
-              </a:rPr>
-              <a:t>v -&gt; Rails </a:t>
+              <a:t>-&gt; Rails </a:t>
             </a:r>
             <a:r>
               <a:rPr lang="en-US" dirty="0" smtClean="0">
@@ -7948,18 +7078,7 @@
                 <a:ea typeface="RawengulkSans" charset="0"/>
                 <a:cs typeface="RawengulkSans" charset="0"/>
               </a:rPr>
-              <a:t>Create a new Rails application to test the installation </a:t>
-            </a:r>
-            <a:r>
-              <a:rPr lang="en-US" b="1" dirty="0" smtClean="0">
-                <a:solidFill>
-                  <a:srgbClr val="211F6B"/>
-                </a:solidFill>
-                <a:latin typeface="RawengulkSans" charset="0"/>
-                <a:ea typeface="RawengulkSans" charset="0"/>
-                <a:cs typeface="RawengulkSans" charset="0"/>
-              </a:rPr>
-              <a:t>process</a:t>
+              <a:t>Create a new Rails application to test the installation process</a:t>
             </a:r>
             <a:endParaRPr lang="es-ES" dirty="0" smtClean="0">
               <a:solidFill>
@@ -7981,29 +7100,7 @@
                 <a:ea typeface="Courier New" charset="0"/>
                 <a:cs typeface="Courier New" charset="0"/>
               </a:rPr>
-              <a:t>rails </a:t>
-            </a:r>
-            <a:r>
-              <a:rPr lang="en-US" dirty="0" smtClean="0">
-                <a:solidFill>
-                  <a:srgbClr val="211F6B"/>
-                </a:solidFill>
-                <a:latin typeface="Courier New" charset="0"/>
-                <a:ea typeface="Courier New" charset="0"/>
-                <a:cs typeface="Courier New" charset="0"/>
-              </a:rPr>
-              <a:t>_</a:t>
-            </a:r>
-            <a:r>
-              <a:rPr lang="en-US" dirty="0" smtClean="0">
-                <a:solidFill>
-                  <a:srgbClr val="211F6B"/>
-                </a:solidFill>
-                <a:latin typeface="Courier New" charset="0"/>
-                <a:ea typeface="Courier New" charset="0"/>
-                <a:cs typeface="Courier New" charset="0"/>
-              </a:rPr>
-              <a:t>5.2.1_ </a:t>
+              <a:t>rails _5.2.1_ </a:t>
             </a:r>
             <a:r>
               <a:rPr lang="en-US" dirty="0">
@@ -8268,14 +7365,6 @@
               </a:rPr>
               <a:t> </a:t>
             </a:r>
-            <a:endParaRPr lang="en-US" b="1" dirty="0" smtClean="0">
-              <a:solidFill>
-                <a:srgbClr val="211F6B"/>
-              </a:solidFill>
-              <a:latin typeface="RawengulkSans" charset="0"/>
-              <a:ea typeface="RawengulkSans" charset="0"/>
-              <a:cs typeface="RawengulkSans" charset="0"/>
-            </a:endParaRPr>
           </a:p>
         </p:txBody>
       </p:sp>
@@ -8774,18 +7863,7 @@
                 <a:ea typeface="RawengulkSans" charset="0"/>
                 <a:cs typeface="RawengulkSans" charset="0"/>
               </a:rPr>
-              <a:t>Test </a:t>
-            </a:r>
-            <a:r>
-              <a:rPr lang="en-US" b="1" dirty="0" smtClean="0">
-                <a:solidFill>
-                  <a:srgbClr val="211F6B"/>
-                </a:solidFill>
-                <a:latin typeface="RawengulkSans" charset="0"/>
-                <a:ea typeface="RawengulkSans" charset="0"/>
-                <a:cs typeface="RawengulkSans" charset="0"/>
-              </a:rPr>
-              <a:t>some </a:t>
+              <a:t>Test some </a:t>
             </a:r>
             <a:r>
               <a:rPr lang="en-US" b="1" dirty="0" err="1" smtClean="0">
@@ -9192,18 +8270,7 @@
                 <a:ea typeface="RawengulkSans" charset="0"/>
                 <a:cs typeface="RawengulkSans" charset="0"/>
               </a:rPr>
-              <a:t> </a:t>
-            </a:r>
-            <a:r>
-              <a:rPr lang="en-US" b="1" dirty="0" smtClean="0">
-                <a:solidFill>
-                  <a:srgbClr val="211F6B"/>
-                </a:solidFill>
-                <a:latin typeface="RawengulkSans" charset="0"/>
-                <a:ea typeface="RawengulkSans" charset="0"/>
-                <a:cs typeface="RawengulkSans" charset="0"/>
-              </a:rPr>
-              <a:t>key</a:t>
+              <a:t> key</a:t>
             </a:r>
           </a:p>
           <a:p>
